--- a/builds/Cold-board-mount-brackets.pptx
+++ b/builds/Cold-board-mount-brackets.pptx
@@ -108,6 +108,11 @@
       </a:defRPr>
     </a:lvl9pPr>
   </p:defaultTextStyle>
+  <p:extLst>
+    <p:ext uri="{EFAFB233-063F-42B5-8137-9DF3F51BA10A}">
+      <p15:sldGuideLst xmlns:p15="http://schemas.microsoft.com/office/powerpoint/2012/main"/>
+    </p:ext>
+  </p:extLst>
 </p:presentation>
 </file>
 
@@ -258,7 +263,7 @@
           <a:p>
             <a:fld id="{5F811E52-3D4F-4E16-8B1F-B643219BBCBB}" type="datetimeFigureOut">
               <a:rPr lang="en-US" smtClean="0"/>
-              <a:t>8/10/2024</a:t>
+              <a:t>8/11/2024</a:t>
             </a:fld>
             <a:endParaRPr lang="en-US"/>
           </a:p>
@@ -456,7 +461,7 @@
           <a:p>
             <a:fld id="{5F811E52-3D4F-4E16-8B1F-B643219BBCBB}" type="datetimeFigureOut">
               <a:rPr lang="en-US" smtClean="0"/>
-              <a:t>8/10/2024</a:t>
+              <a:t>8/11/2024</a:t>
             </a:fld>
             <a:endParaRPr lang="en-US"/>
           </a:p>
@@ -664,7 +669,7 @@
           <a:p>
             <a:fld id="{5F811E52-3D4F-4E16-8B1F-B643219BBCBB}" type="datetimeFigureOut">
               <a:rPr lang="en-US" smtClean="0"/>
-              <a:t>8/10/2024</a:t>
+              <a:t>8/11/2024</a:t>
             </a:fld>
             <a:endParaRPr lang="en-US"/>
           </a:p>
@@ -862,7 +867,7 @@
           <a:p>
             <a:fld id="{5F811E52-3D4F-4E16-8B1F-B643219BBCBB}" type="datetimeFigureOut">
               <a:rPr lang="en-US" smtClean="0"/>
-              <a:t>8/10/2024</a:t>
+              <a:t>8/11/2024</a:t>
             </a:fld>
             <a:endParaRPr lang="en-US"/>
           </a:p>
@@ -1137,7 +1142,7 @@
           <a:p>
             <a:fld id="{5F811E52-3D4F-4E16-8B1F-B643219BBCBB}" type="datetimeFigureOut">
               <a:rPr lang="en-US" smtClean="0"/>
-              <a:t>8/10/2024</a:t>
+              <a:t>8/11/2024</a:t>
             </a:fld>
             <a:endParaRPr lang="en-US"/>
           </a:p>
@@ -1402,7 +1407,7 @@
           <a:p>
             <a:fld id="{5F811E52-3D4F-4E16-8B1F-B643219BBCBB}" type="datetimeFigureOut">
               <a:rPr lang="en-US" smtClean="0"/>
-              <a:t>8/10/2024</a:t>
+              <a:t>8/11/2024</a:t>
             </a:fld>
             <a:endParaRPr lang="en-US"/>
           </a:p>
@@ -1814,7 +1819,7 @@
           <a:p>
             <a:fld id="{5F811E52-3D4F-4E16-8B1F-B643219BBCBB}" type="datetimeFigureOut">
               <a:rPr lang="en-US" smtClean="0"/>
-              <a:t>8/10/2024</a:t>
+              <a:t>8/11/2024</a:t>
             </a:fld>
             <a:endParaRPr lang="en-US"/>
           </a:p>
@@ -1955,7 +1960,7 @@
           <a:p>
             <a:fld id="{5F811E52-3D4F-4E16-8B1F-B643219BBCBB}" type="datetimeFigureOut">
               <a:rPr lang="en-US" smtClean="0"/>
-              <a:t>8/10/2024</a:t>
+              <a:t>8/11/2024</a:t>
             </a:fld>
             <a:endParaRPr lang="en-US"/>
           </a:p>
@@ -2068,7 +2073,7 @@
           <a:p>
             <a:fld id="{5F811E52-3D4F-4E16-8B1F-B643219BBCBB}" type="datetimeFigureOut">
               <a:rPr lang="en-US" smtClean="0"/>
-              <a:t>8/10/2024</a:t>
+              <a:t>8/11/2024</a:t>
             </a:fld>
             <a:endParaRPr lang="en-US"/>
           </a:p>
@@ -2379,7 +2384,7 @@
           <a:p>
             <a:fld id="{5F811E52-3D4F-4E16-8B1F-B643219BBCBB}" type="datetimeFigureOut">
               <a:rPr lang="en-US" smtClean="0"/>
-              <a:t>8/10/2024</a:t>
+              <a:t>8/11/2024</a:t>
             </a:fld>
             <a:endParaRPr lang="en-US"/>
           </a:p>
@@ -2667,7 +2672,7 @@
           <a:p>
             <a:fld id="{5F811E52-3D4F-4E16-8B1F-B643219BBCBB}" type="datetimeFigureOut">
               <a:rPr lang="en-US" smtClean="0"/>
-              <a:t>8/10/2024</a:t>
+              <a:t>8/11/2024</a:t>
             </a:fld>
             <a:endParaRPr lang="en-US"/>
           </a:p>
@@ -2908,7 +2913,7 @@
           <a:p>
             <a:fld id="{5F811E52-3D4F-4E16-8B1F-B643219BBCBB}" type="datetimeFigureOut">
               <a:rPr lang="en-US" smtClean="0"/>
-              <a:t>8/10/2024</a:t>
+              <a:t>8/11/2024</a:t>
             </a:fld>
             <a:endParaRPr lang="en-US"/>
           </a:p>
@@ -3483,8 +3488,8 @@
         </p:blipFill>
         <p:spPr>
           <a:xfrm>
-            <a:off x="562435" y="1105196"/>
-            <a:ext cx="11247830" cy="5752804"/>
+            <a:off x="0" y="900864"/>
+            <a:ext cx="11647338" cy="5957136"/>
           </a:xfrm>
           <a:prstGeom prst="rect">
             <a:avLst/>

--- a/builds/Cold-board-mount-brackets.pptx
+++ b/builds/Cold-board-mount-brackets.pptx
@@ -7,9 +7,11 @@
   <p:sldIdLst>
     <p:sldId id="256" r:id="rId2"/>
     <p:sldId id="257" r:id="rId3"/>
-    <p:sldId id="258" r:id="rId4"/>
-    <p:sldId id="259" r:id="rId5"/>
-    <p:sldId id="260" r:id="rId6"/>
+    <p:sldId id="262" r:id="rId4"/>
+    <p:sldId id="261" r:id="rId5"/>
+    <p:sldId id="258" r:id="rId6"/>
+    <p:sldId id="259" r:id="rId7"/>
+    <p:sldId id="260" r:id="rId8"/>
   </p:sldIdLst>
   <p:sldSz cx="12192000" cy="6858000"/>
   <p:notesSz cx="6858000" cy="9144000"/>
@@ -3528,6 +3530,222 @@
       </p:grpSpPr>
       <p:pic>
         <p:nvPicPr>
+          <p:cNvPr id="5" name="Picture 4">
+            <a:extLst>
+              <a:ext uri="{FF2B5EF4-FFF2-40B4-BE49-F238E27FC236}">
+                <a16:creationId xmlns:a16="http://schemas.microsoft.com/office/drawing/2014/main" id="{68082068-CEF9-E0DD-FCC7-2657B86F9735}"/>
+              </a:ext>
+            </a:extLst>
+          </p:cNvPr>
+          <p:cNvPicPr>
+            <a:picLocks noChangeAspect="1"/>
+          </p:cNvPicPr>
+          <p:nvPr/>
+        </p:nvPicPr>
+        <p:blipFill>
+          <a:blip r:embed="rId2"/>
+          <a:stretch>
+            <a:fillRect/>
+          </a:stretch>
+        </p:blipFill>
+        <p:spPr>
+          <a:xfrm>
+            <a:off x="1512402" y="266330"/>
+            <a:ext cx="3357350" cy="6514651"/>
+          </a:xfrm>
+          <a:prstGeom prst="rect">
+            <a:avLst/>
+          </a:prstGeom>
+        </p:spPr>
+      </p:pic>
+    </p:spTree>
+    <p:extLst>
+      <p:ext uri="{BB962C8B-B14F-4D97-AF65-F5344CB8AC3E}">
+        <p14:creationId xmlns:p14="http://schemas.microsoft.com/office/powerpoint/2010/main" val="522527446"/>
+      </p:ext>
+    </p:extLst>
+  </p:cSld>
+  <p:clrMapOvr>
+    <a:masterClrMapping/>
+  </p:clrMapOvr>
+</p:sld>
+</file>
+
+<file path=ppt/slides/slide4.xml><?xml version="1.0" encoding="utf-8"?>
+<p:sld xmlns:a="http://schemas.openxmlformats.org/drawingml/2006/main" xmlns:r="http://schemas.openxmlformats.org/officeDocument/2006/relationships" xmlns:p="http://schemas.openxmlformats.org/presentationml/2006/main">
+  <p:cSld>
+    <p:spTree>
+      <p:nvGrpSpPr>
+        <p:cNvPr id="1" name=""/>
+        <p:cNvGrpSpPr/>
+        <p:nvPr/>
+      </p:nvGrpSpPr>
+      <p:grpSpPr>
+        <a:xfrm>
+          <a:off x="0" y="0"/>
+          <a:ext cx="0" cy="0"/>
+          <a:chOff x="0" y="0"/>
+          <a:chExt cx="0" cy="0"/>
+        </a:xfrm>
+      </p:grpSpPr>
+      <p:sp>
+        <p:nvSpPr>
+          <p:cNvPr id="2" name="Title 1">
+            <a:extLst>
+              <a:ext uri="{FF2B5EF4-FFF2-40B4-BE49-F238E27FC236}">
+                <a16:creationId xmlns:a16="http://schemas.microsoft.com/office/drawing/2014/main" id="{D8BA70DC-4A31-E41D-6429-A2A469C08C4B}"/>
+              </a:ext>
+            </a:extLst>
+          </p:cNvPr>
+          <p:cNvSpPr>
+            <a:spLocks noGrp="1"/>
+          </p:cNvSpPr>
+          <p:nvPr>
+            <p:ph type="title"/>
+          </p:nvPr>
+        </p:nvSpPr>
+        <p:spPr/>
+        <p:txBody>
+          <a:bodyPr/>
+          <a:lstStyle/>
+          <a:p>
+            <a:endParaRPr lang="en-US"/>
+          </a:p>
+        </p:txBody>
+      </p:sp>
+      <p:pic>
+        <p:nvPicPr>
+          <p:cNvPr id="4" name="Picture 3">
+            <a:extLst>
+              <a:ext uri="{FF2B5EF4-FFF2-40B4-BE49-F238E27FC236}">
+                <a16:creationId xmlns:a16="http://schemas.microsoft.com/office/drawing/2014/main" id="{652F9F1B-695D-A776-7FD4-8D13AE9E3D30}"/>
+              </a:ext>
+            </a:extLst>
+          </p:cNvPr>
+          <p:cNvPicPr>
+            <a:picLocks noChangeAspect="1"/>
+          </p:cNvPicPr>
+          <p:nvPr/>
+        </p:nvPicPr>
+        <p:blipFill>
+          <a:blip r:embed="rId2"/>
+          <a:stretch>
+            <a:fillRect/>
+          </a:stretch>
+        </p:blipFill>
+        <p:spPr>
+          <a:xfrm>
+            <a:off x="495529" y="2266241"/>
+            <a:ext cx="3779210" cy="2529917"/>
+          </a:xfrm>
+          <a:prstGeom prst="rect">
+            <a:avLst/>
+          </a:prstGeom>
+        </p:spPr>
+      </p:pic>
+      <p:sp>
+        <p:nvSpPr>
+          <p:cNvPr id="5" name="TextBox 4">
+            <a:extLst>
+              <a:ext uri="{FF2B5EF4-FFF2-40B4-BE49-F238E27FC236}">
+                <a16:creationId xmlns:a16="http://schemas.microsoft.com/office/drawing/2014/main" id="{B7BEC921-F51B-C8A6-AA35-AE1B6F9BDF0D}"/>
+              </a:ext>
+            </a:extLst>
+          </p:cNvPr>
+          <p:cNvSpPr txBox="1"/>
+          <p:nvPr/>
+        </p:nvSpPr>
+        <p:spPr>
+          <a:xfrm>
+            <a:off x="220321" y="4881810"/>
+            <a:ext cx="6096000" cy="369332"/>
+          </a:xfrm>
+          <a:prstGeom prst="rect">
+            <a:avLst/>
+          </a:prstGeom>
+          <a:noFill/>
+        </p:spPr>
+        <p:txBody>
+          <a:bodyPr wrap="square">
+            <a:spAutoFit/>
+          </a:bodyPr>
+          <a:lstStyle/>
+          <a:p>
+            <a:r>
+              <a:rPr lang="en-US" dirty="0">
+                <a:hlinkClick r:id="rId3"/>
+              </a:rPr>
+              <a:t>https://www.mcmaster.com/93465A106/</a:t>
+            </a:r>
+            <a:r>
+              <a:rPr lang="en-US" dirty="0"/>
+              <a:t> </a:t>
+            </a:r>
+          </a:p>
+        </p:txBody>
+      </p:sp>
+      <p:pic>
+        <p:nvPicPr>
+          <p:cNvPr id="7" name="Picture 6">
+            <a:extLst>
+              <a:ext uri="{FF2B5EF4-FFF2-40B4-BE49-F238E27FC236}">
+                <a16:creationId xmlns:a16="http://schemas.microsoft.com/office/drawing/2014/main" id="{40B6835F-0F71-7F70-6252-DE31A2729FC9}"/>
+              </a:ext>
+            </a:extLst>
+          </p:cNvPr>
+          <p:cNvPicPr>
+            <a:picLocks noChangeAspect="1"/>
+          </p:cNvPicPr>
+          <p:nvPr/>
+        </p:nvPicPr>
+        <p:blipFill>
+          <a:blip r:embed="rId4"/>
+          <a:stretch>
+            <a:fillRect/>
+          </a:stretch>
+        </p:blipFill>
+        <p:spPr>
+          <a:xfrm>
+            <a:off x="5681894" y="1903090"/>
+            <a:ext cx="5104475" cy="3869521"/>
+          </a:xfrm>
+          <a:prstGeom prst="rect">
+            <a:avLst/>
+          </a:prstGeom>
+        </p:spPr>
+      </p:pic>
+    </p:spTree>
+    <p:extLst>
+      <p:ext uri="{BB962C8B-B14F-4D97-AF65-F5344CB8AC3E}">
+        <p14:creationId xmlns:p14="http://schemas.microsoft.com/office/powerpoint/2010/main" val="911282329"/>
+      </p:ext>
+    </p:extLst>
+  </p:cSld>
+  <p:clrMapOvr>
+    <a:masterClrMapping/>
+  </p:clrMapOvr>
+</p:sld>
+</file>
+
+<file path=ppt/slides/slide5.xml><?xml version="1.0" encoding="utf-8"?>
+<p:sld xmlns:a="http://schemas.openxmlformats.org/drawingml/2006/main" xmlns:r="http://schemas.openxmlformats.org/officeDocument/2006/relationships" xmlns:p="http://schemas.openxmlformats.org/presentationml/2006/main">
+  <p:cSld>
+    <p:spTree>
+      <p:nvGrpSpPr>
+        <p:cNvPr id="1" name=""/>
+        <p:cNvGrpSpPr/>
+        <p:nvPr/>
+      </p:nvGrpSpPr>
+      <p:grpSpPr>
+        <a:xfrm>
+          <a:off x="0" y="0"/>
+          <a:ext cx="0" cy="0"/>
+          <a:chOff x="0" y="0"/>
+          <a:chExt cx="0" cy="0"/>
+        </a:xfrm>
+      </p:grpSpPr>
+      <p:pic>
+        <p:nvPicPr>
           <p:cNvPr id="5" name="Picture 4" descr="Diagram, engineering drawing&#10;&#10;Description automatically generated">
             <a:extLst>
               <a:ext uri="{FF2B5EF4-FFF2-40B4-BE49-F238E27FC236}">
@@ -3575,7 +3793,7 @@
 </p:sld>
 </file>
 
-<file path=ppt/slides/slide4.xml><?xml version="1.0" encoding="utf-8"?>
+<file path=ppt/slides/slide6.xml><?xml version="1.0" encoding="utf-8"?>
 <p:sld xmlns:a="http://schemas.openxmlformats.org/drawingml/2006/main" xmlns:r="http://schemas.openxmlformats.org/officeDocument/2006/relationships" xmlns:p="http://schemas.openxmlformats.org/presentationml/2006/main">
   <p:cSld>
     <p:spTree>
@@ -3641,7 +3859,7 @@
 </p:sld>
 </file>
 
-<file path=ppt/slides/slide5.xml><?xml version="1.0" encoding="utf-8"?>
+<file path=ppt/slides/slide7.xml><?xml version="1.0" encoding="utf-8"?>
 <p:sld xmlns:a="http://schemas.openxmlformats.org/drawingml/2006/main" xmlns:r="http://schemas.openxmlformats.org/officeDocument/2006/relationships" xmlns:p="http://schemas.openxmlformats.org/presentationml/2006/main">
   <p:cSld>
     <p:spTree>
